--- a/notes/arch-mem2.pptx
+++ b/notes/arch-mem2.pptx
@@ -133,6 +133,11 @@
       </a:defRPr>
     </a:lvl9pPr>
   </p:defaultTextStyle>
+  <p:extLst>
+    <p:ext uri="{EFAFB233-063F-42B5-8137-9DF3F51BA10A}">
+      <p15:sldGuideLst xmlns:p15="http://schemas.microsoft.com/office/powerpoint/2012/main"/>
+    </p:ext>
+  </p:extLst>
 </p:presentation>
 </file>
 
@@ -218,7 +223,7 @@
           <a:p>
             <a:fld id="{F9EF7ED7-E648-D845-BCC7-CA8FA0BFD4A5}" type="datetimeFigureOut">
               <a:rPr lang="en-US" smtClean="0"/>
-              <a:t>12/10/19</a:t>
+              <a:t>12/12/22</a:t>
             </a:fld>
             <a:endParaRPr lang="en-US"/>
           </a:p>
@@ -796,7 +801,7 @@
                 <a:latin typeface="Times New Roman" panose="02020603050405020304" pitchFamily="18" charset="0"/>
               </a:rPr>
               <a:pPr/>
-              <a:t>10 December, 2019</a:t>
+              <a:t>12 December, 2022</a:t>
             </a:fld>
             <a:endParaRPr lang="en-AU" altLang="en-US">
               <a:latin typeface="Times New Roman" panose="02020603050405020304" pitchFamily="18" charset="0"/>
@@ -1116,7 +1121,7 @@
             </a:extLst>
           </p:cNvPr>
           <p:cNvSpPr>
-            <a:spLocks noChangeArrowheads="1" noTextEdit="1"/>
+            <a:spLocks noGrp="1" noRot="1" noChangeAspect="1" noChangeArrowheads="1" noTextEdit="1"/>
           </p:cNvSpPr>
           <p:nvPr>
             <p:ph type="sldImg"/>
@@ -1341,7 +1346,7 @@
           <a:p>
             <a:fld id="{7233A00A-DABB-4F4D-8353-7FDE7AD73BFB}" type="datetimeFigureOut">
               <a:rPr lang="en-US" smtClean="0"/>
-              <a:t>12/10/19</a:t>
+              <a:t>12/12/22</a:t>
             </a:fld>
             <a:endParaRPr lang="en-US"/>
           </a:p>
@@ -1539,7 +1544,7 @@
           <a:p>
             <a:fld id="{7233A00A-DABB-4F4D-8353-7FDE7AD73BFB}" type="datetimeFigureOut">
               <a:rPr lang="en-US" smtClean="0"/>
-              <a:t>12/10/19</a:t>
+              <a:t>12/12/22</a:t>
             </a:fld>
             <a:endParaRPr lang="en-US"/>
           </a:p>
@@ -1747,7 +1752,7 @@
           <a:p>
             <a:fld id="{7233A00A-DABB-4F4D-8353-7FDE7AD73BFB}" type="datetimeFigureOut">
               <a:rPr lang="en-US" smtClean="0"/>
-              <a:t>12/10/19</a:t>
+              <a:t>12/12/22</a:t>
             </a:fld>
             <a:endParaRPr lang="en-US"/>
           </a:p>
@@ -1973,7 +1978,7 @@
           <a:p>
             <a:fld id="{7233A00A-DABB-4F4D-8353-7FDE7AD73BFB}" type="datetimeFigureOut">
               <a:rPr lang="en-US" smtClean="0"/>
-              <a:t>12/10/19</a:t>
+              <a:t>12/12/22</a:t>
             </a:fld>
             <a:endParaRPr lang="en-US"/>
           </a:p>
@@ -2248,7 +2253,7 @@
           <a:p>
             <a:fld id="{7233A00A-DABB-4F4D-8353-7FDE7AD73BFB}" type="datetimeFigureOut">
               <a:rPr lang="en-US" smtClean="0"/>
-              <a:t>12/10/19</a:t>
+              <a:t>12/12/22</a:t>
             </a:fld>
             <a:endParaRPr lang="en-US"/>
           </a:p>
@@ -2513,7 +2518,7 @@
           <a:p>
             <a:fld id="{7233A00A-DABB-4F4D-8353-7FDE7AD73BFB}" type="datetimeFigureOut">
               <a:rPr lang="en-US" smtClean="0"/>
-              <a:t>12/10/19</a:t>
+              <a:t>12/12/22</a:t>
             </a:fld>
             <a:endParaRPr lang="en-US"/>
           </a:p>
@@ -2925,7 +2930,7 @@
           <a:p>
             <a:fld id="{7233A00A-DABB-4F4D-8353-7FDE7AD73BFB}" type="datetimeFigureOut">
               <a:rPr lang="en-US" smtClean="0"/>
-              <a:t>12/10/19</a:t>
+              <a:t>12/12/22</a:t>
             </a:fld>
             <a:endParaRPr lang="en-US"/>
           </a:p>
@@ -3066,7 +3071,7 @@
           <a:p>
             <a:fld id="{7233A00A-DABB-4F4D-8353-7FDE7AD73BFB}" type="datetimeFigureOut">
               <a:rPr lang="en-US" smtClean="0"/>
-              <a:t>12/10/19</a:t>
+              <a:t>12/12/22</a:t>
             </a:fld>
             <a:endParaRPr lang="en-US"/>
           </a:p>
@@ -3179,7 +3184,7 @@
           <a:p>
             <a:fld id="{7233A00A-DABB-4F4D-8353-7FDE7AD73BFB}" type="datetimeFigureOut">
               <a:rPr lang="en-US" smtClean="0"/>
-              <a:t>12/10/19</a:t>
+              <a:t>12/12/22</a:t>
             </a:fld>
             <a:endParaRPr lang="en-US"/>
           </a:p>
@@ -3490,7 +3495,7 @@
           <a:p>
             <a:fld id="{7233A00A-DABB-4F4D-8353-7FDE7AD73BFB}" type="datetimeFigureOut">
               <a:rPr lang="en-US" smtClean="0"/>
-              <a:t>12/10/19</a:t>
+              <a:t>12/12/22</a:t>
             </a:fld>
             <a:endParaRPr lang="en-US"/>
           </a:p>
@@ -3778,7 +3783,7 @@
           <a:p>
             <a:fld id="{7233A00A-DABB-4F4D-8353-7FDE7AD73BFB}" type="datetimeFigureOut">
               <a:rPr lang="en-US" smtClean="0"/>
-              <a:t>12/10/19</a:t>
+              <a:t>12/12/22</a:t>
             </a:fld>
             <a:endParaRPr lang="en-US"/>
           </a:p>
@@ -4019,7 +4024,7 @@
           <a:p>
             <a:fld id="{7233A00A-DABB-4F4D-8353-7FDE7AD73BFB}" type="datetimeFigureOut">
               <a:rPr lang="en-US" smtClean="0"/>
-              <a:t>12/10/19</a:t>
+              <a:t>12/12/22</a:t>
             </a:fld>
             <a:endParaRPr lang="en-US"/>
           </a:p>
@@ -17417,98 +17422,119 @@
           </a:p>
         </p:txBody>
       </p:sp>
-      <p:cxnSp>
-        <p:nvCxnSpPr>
-          <p:cNvPr id="9" name="Straight Connector 8">
+      <p:grpSp>
+        <p:nvGrpSpPr>
+          <p:cNvPr id="30" name="Group 29">
             <a:extLst>
               <a:ext uri="{FF2B5EF4-FFF2-40B4-BE49-F238E27FC236}">
-                <a16:creationId xmlns:a16="http://schemas.microsoft.com/office/drawing/2014/main" id="{FCDB2743-BCBF-A843-B2BC-6E2DEDCD822D}"/>
+                <a16:creationId xmlns:a16="http://schemas.microsoft.com/office/drawing/2014/main" id="{D0C53075-6C6C-9F43-B892-C34CD9D260C2}"/>
               </a:ext>
             </a:extLst>
           </p:cNvPr>
-          <p:cNvCxnSpPr>
-            <a:cxnSpLocks/>
-          </p:cNvCxnSpPr>
-          <p:nvPr/>
-        </p:nvCxnSpPr>
-        <p:spPr>
+          <p:cNvGrpSpPr/>
+          <p:nvPr/>
+        </p:nvGrpSpPr>
+        <p:grpSpPr>
           <a:xfrm>
             <a:off x="6917996" y="2381114"/>
-            <a:ext cx="1149780" cy="0"/>
-          </a:xfrm>
-          <a:prstGeom prst="line">
-            <a:avLst/>
-          </a:prstGeom>
-          <a:ln w="57150"/>
-        </p:spPr>
-        <p:style>
-          <a:lnRef idx="1">
-            <a:schemeClr val="accent1"/>
-          </a:lnRef>
-          <a:fillRef idx="0">
-            <a:schemeClr val="accent1"/>
-          </a:fillRef>
-          <a:effectRef idx="0">
-            <a:schemeClr val="accent1"/>
-          </a:effectRef>
-          <a:fontRef idx="minor">
-            <a:schemeClr val="tx1"/>
-          </a:fontRef>
-        </p:style>
-      </p:cxnSp>
-      <p:sp>
-        <p:nvSpPr>
-          <p:cNvPr id="16" name="Rounded Rectangular Callout 15">
-            <a:extLst>
-              <a:ext uri="{FF2B5EF4-FFF2-40B4-BE49-F238E27FC236}">
-                <a16:creationId xmlns:a16="http://schemas.microsoft.com/office/drawing/2014/main" id="{7DD90161-133E-B445-9065-05A1E9F75822}"/>
-              </a:ext>
-            </a:extLst>
-          </p:cNvPr>
-          <p:cNvSpPr/>
-          <p:nvPr/>
-        </p:nvSpPr>
-        <p:spPr>
-          <a:xfrm>
-            <a:off x="9865693" y="2754812"/>
-            <a:ext cx="1364105" cy="997068"/>
-          </a:xfrm>
-          <a:prstGeom prst="wedgeRoundRectCallout">
-            <a:avLst>
-              <a:gd name="adj1" fmla="val -203491"/>
-              <a:gd name="adj2" fmla="val -78673"/>
-              <a:gd name="adj3" fmla="val 16667"/>
-            </a:avLst>
-          </a:prstGeom>
-        </p:spPr>
-        <p:style>
-          <a:lnRef idx="2">
-            <a:schemeClr val="accent1">
-              <a:shade val="50000"/>
-            </a:schemeClr>
-          </a:lnRef>
-          <a:fillRef idx="1">
-            <a:schemeClr val="accent1"/>
-          </a:fillRef>
-          <a:effectRef idx="0">
-            <a:schemeClr val="accent1"/>
-          </a:effectRef>
-          <a:fontRef idx="minor">
-            <a:schemeClr val="lt1"/>
-          </a:fontRef>
-        </p:style>
-        <p:txBody>
-          <a:bodyPr rtlCol="0" anchor="ctr"/>
-          <a:lstStyle/>
-          <a:p>
-            <a:pPr algn="ctr"/>
-            <a:r>
-              <a:rPr lang="en-US" dirty="0"/>
-              <a:t>9-bit index per level</a:t>
-            </a:r>
-          </a:p>
-        </p:txBody>
-      </p:sp>
+            <a:ext cx="4311802" cy="1370766"/>
+            <a:chOff x="6917996" y="2381114"/>
+            <a:chExt cx="4311802" cy="1370766"/>
+          </a:xfrm>
+        </p:grpSpPr>
+        <p:cxnSp>
+          <p:nvCxnSpPr>
+            <p:cNvPr id="9" name="Straight Connector 8">
+              <a:extLst>
+                <a:ext uri="{FF2B5EF4-FFF2-40B4-BE49-F238E27FC236}">
+                  <a16:creationId xmlns:a16="http://schemas.microsoft.com/office/drawing/2014/main" id="{FCDB2743-BCBF-A843-B2BC-6E2DEDCD822D}"/>
+                </a:ext>
+              </a:extLst>
+            </p:cNvPr>
+            <p:cNvCxnSpPr>
+              <a:cxnSpLocks/>
+            </p:cNvCxnSpPr>
+            <p:nvPr/>
+          </p:nvCxnSpPr>
+          <p:spPr>
+            <a:xfrm>
+              <a:off x="6917996" y="2381114"/>
+              <a:ext cx="1149780" cy="0"/>
+            </a:xfrm>
+            <a:prstGeom prst="line">
+              <a:avLst/>
+            </a:prstGeom>
+            <a:ln w="57150"/>
+          </p:spPr>
+          <p:style>
+            <a:lnRef idx="1">
+              <a:schemeClr val="accent1"/>
+            </a:lnRef>
+            <a:fillRef idx="0">
+              <a:schemeClr val="accent1"/>
+            </a:fillRef>
+            <a:effectRef idx="0">
+              <a:schemeClr val="accent1"/>
+            </a:effectRef>
+            <a:fontRef idx="minor">
+              <a:schemeClr val="tx1"/>
+            </a:fontRef>
+          </p:style>
+        </p:cxnSp>
+        <p:sp>
+          <p:nvSpPr>
+            <p:cNvPr id="16" name="Rounded Rectangular Callout 15">
+              <a:extLst>
+                <a:ext uri="{FF2B5EF4-FFF2-40B4-BE49-F238E27FC236}">
+                  <a16:creationId xmlns:a16="http://schemas.microsoft.com/office/drawing/2014/main" id="{7DD90161-133E-B445-9065-05A1E9F75822}"/>
+                </a:ext>
+              </a:extLst>
+            </p:cNvPr>
+            <p:cNvSpPr/>
+            <p:nvPr/>
+          </p:nvSpPr>
+          <p:spPr>
+            <a:xfrm>
+              <a:off x="9865693" y="2754812"/>
+              <a:ext cx="1364105" cy="997068"/>
+            </a:xfrm>
+            <a:prstGeom prst="wedgeRoundRectCallout">
+              <a:avLst>
+                <a:gd name="adj1" fmla="val -203491"/>
+                <a:gd name="adj2" fmla="val -78673"/>
+                <a:gd name="adj3" fmla="val 16667"/>
+              </a:avLst>
+            </a:prstGeom>
+          </p:spPr>
+          <p:style>
+            <a:lnRef idx="2">
+              <a:schemeClr val="accent1">
+                <a:shade val="50000"/>
+              </a:schemeClr>
+            </a:lnRef>
+            <a:fillRef idx="1">
+              <a:schemeClr val="accent1"/>
+            </a:fillRef>
+            <a:effectRef idx="0">
+              <a:schemeClr val="accent1"/>
+            </a:effectRef>
+            <a:fontRef idx="minor">
+              <a:schemeClr val="lt1"/>
+            </a:fontRef>
+          </p:style>
+          <p:txBody>
+            <a:bodyPr rtlCol="0" anchor="ctr"/>
+            <a:lstStyle/>
+            <a:p>
+              <a:pPr algn="ctr"/>
+              <a:r>
+                <a:rPr lang="en-US" dirty="0"/>
+                <a:t>9-bit index per level</a:t>
+              </a:r>
+            </a:p>
+          </p:txBody>
+        </p:sp>
+      </p:grpSp>
     </p:spTree>
     <p:extLst>
       <p:ext uri="{BB962C8B-B14F-4D97-AF65-F5344CB8AC3E}">
@@ -17519,6 +17545,81 @@
   <p:clrMapOvr>
     <a:masterClrMapping/>
   </p:clrMapOvr>
+  <p:timing>
+    <p:tnLst>
+      <p:par>
+        <p:cTn id="1" dur="indefinite" restart="never" nodeType="tmRoot">
+          <p:childTnLst>
+            <p:seq concurrent="1" nextAc="seek">
+              <p:cTn id="2" dur="indefinite" nodeType="mainSeq">
+                <p:childTnLst>
+                  <p:par>
+                    <p:cTn id="3" fill="hold">
+                      <p:stCondLst>
+                        <p:cond delay="indefinite"/>
+                      </p:stCondLst>
+                      <p:childTnLst>
+                        <p:par>
+                          <p:cTn id="4" fill="hold">
+                            <p:stCondLst>
+                              <p:cond delay="0"/>
+                            </p:stCondLst>
+                            <p:childTnLst>
+                              <p:par>
+                                <p:cTn id="5" presetID="1" presetClass="entr" presetSubtype="0" fill="hold" nodeType="clickEffect">
+                                  <p:stCondLst>
+                                    <p:cond delay="0"/>
+                                  </p:stCondLst>
+                                  <p:childTnLst>
+                                    <p:set>
+                                      <p:cBhvr>
+                                        <p:cTn id="6" dur="1" fill="hold">
+                                          <p:stCondLst>
+                                            <p:cond delay="0"/>
+                                          </p:stCondLst>
+                                        </p:cTn>
+                                        <p:tgtEl>
+                                          <p:spTgt spid="30"/>
+                                        </p:tgtEl>
+                                        <p:attrNameLst>
+                                          <p:attrName>style.visibility</p:attrName>
+                                        </p:attrNameLst>
+                                      </p:cBhvr>
+                                      <p:to>
+                                        <p:strVal val="visible"/>
+                                      </p:to>
+                                    </p:set>
+                                  </p:childTnLst>
+                                </p:cTn>
+                              </p:par>
+                            </p:childTnLst>
+                          </p:cTn>
+                        </p:par>
+                      </p:childTnLst>
+                    </p:cTn>
+                  </p:par>
+                </p:childTnLst>
+              </p:cTn>
+              <p:prevCondLst>
+                <p:cond evt="onPrev" delay="0">
+                  <p:tgtEl>
+                    <p:sldTgt/>
+                  </p:tgtEl>
+                </p:cond>
+              </p:prevCondLst>
+              <p:nextCondLst>
+                <p:cond evt="onNext" delay="0">
+                  <p:tgtEl>
+                    <p:sldTgt/>
+                  </p:tgtEl>
+                </p:cond>
+              </p:nextCondLst>
+            </p:seq>
+          </p:childTnLst>
+        </p:cTn>
+      </p:par>
+    </p:tnLst>
+  </p:timing>
 </p:sld>
 </file>
 
@@ -40359,6 +40460,130 @@
   <p:clrMapOvr>
     <a:masterClrMapping/>
   </p:clrMapOvr>
+  <p:timing>
+    <p:tnLst>
+      <p:par>
+        <p:cTn id="1" dur="indefinite" restart="never" nodeType="tmRoot">
+          <p:childTnLst>
+            <p:seq concurrent="1" nextAc="seek">
+              <p:cTn id="2" dur="indefinite" nodeType="mainSeq">
+                <p:childTnLst>
+                  <p:par>
+                    <p:cTn id="3" fill="hold">
+                      <p:stCondLst>
+                        <p:cond delay="indefinite"/>
+                      </p:stCondLst>
+                      <p:childTnLst>
+                        <p:par>
+                          <p:cTn id="4" fill="hold">
+                            <p:stCondLst>
+                              <p:cond delay="0"/>
+                            </p:stCondLst>
+                            <p:childTnLst>
+                              <p:par>
+                                <p:cTn id="5" presetID="1" presetClass="entr" presetSubtype="0" fill="hold" grpId="0" nodeType="clickEffect">
+                                  <p:stCondLst>
+                                    <p:cond delay="0"/>
+                                  </p:stCondLst>
+                                  <p:childTnLst>
+                                    <p:set>
+                                      <p:cBhvr>
+                                        <p:cTn id="6" dur="1" fill="hold">
+                                          <p:stCondLst>
+                                            <p:cond delay="0"/>
+                                          </p:stCondLst>
+                                        </p:cTn>
+                                        <p:tgtEl>
+                                          <p:spTgt spid="49"/>
+                                        </p:tgtEl>
+                                        <p:attrNameLst>
+                                          <p:attrName>style.visibility</p:attrName>
+                                        </p:attrNameLst>
+                                      </p:cBhvr>
+                                      <p:to>
+                                        <p:strVal val="visible"/>
+                                      </p:to>
+                                    </p:set>
+                                  </p:childTnLst>
+                                </p:cTn>
+                              </p:par>
+                            </p:childTnLst>
+                          </p:cTn>
+                        </p:par>
+                      </p:childTnLst>
+                    </p:cTn>
+                  </p:par>
+                  <p:par>
+                    <p:cTn id="7" fill="hold">
+                      <p:stCondLst>
+                        <p:cond delay="indefinite"/>
+                      </p:stCondLst>
+                      <p:childTnLst>
+                        <p:par>
+                          <p:cTn id="8" fill="hold">
+                            <p:stCondLst>
+                              <p:cond delay="0"/>
+                            </p:stCondLst>
+                            <p:childTnLst>
+                              <p:par>
+                                <p:cTn id="9" presetID="1" presetClass="entr" presetSubtype="0" fill="hold" grpId="0" nodeType="clickEffect">
+                                  <p:stCondLst>
+                                    <p:cond delay="0"/>
+                                  </p:stCondLst>
+                                  <p:childTnLst>
+                                    <p:set>
+                                      <p:cBhvr>
+                                        <p:cTn id="10" dur="1" fill="hold">
+                                          <p:stCondLst>
+                                            <p:cond delay="0"/>
+                                          </p:stCondLst>
+                                        </p:cTn>
+                                        <p:tgtEl>
+                                          <p:spTgt spid="50"/>
+                                        </p:tgtEl>
+                                        <p:attrNameLst>
+                                          <p:attrName>style.visibility</p:attrName>
+                                        </p:attrNameLst>
+                                      </p:cBhvr>
+                                      <p:to>
+                                        <p:strVal val="visible"/>
+                                      </p:to>
+                                    </p:set>
+                                  </p:childTnLst>
+                                </p:cTn>
+                              </p:par>
+                            </p:childTnLst>
+                          </p:cTn>
+                        </p:par>
+                      </p:childTnLst>
+                    </p:cTn>
+                  </p:par>
+                </p:childTnLst>
+              </p:cTn>
+              <p:prevCondLst>
+                <p:cond evt="onPrev" delay="0">
+                  <p:tgtEl>
+                    <p:sldTgt/>
+                  </p:tgtEl>
+                </p:cond>
+              </p:prevCondLst>
+              <p:nextCondLst>
+                <p:cond evt="onNext" delay="0">
+                  <p:tgtEl>
+                    <p:sldTgt/>
+                  </p:tgtEl>
+                </p:cond>
+              </p:nextCondLst>
+            </p:seq>
+          </p:childTnLst>
+        </p:cTn>
+      </p:par>
+    </p:tnLst>
+    <p:bldLst>
+      <p:bldP spid="49" grpId="0"/>
+      <p:bldP spid="50" grpId="0" animBg="1"/>
+    </p:bldLst>
+  </p:timing>
 </p:sld>
 </file>
 
@@ -40710,7 +40935,7 @@
             </a:pPr>
             <a:r>
               <a:rPr lang="en-US" altLang="en-US" dirty="0"/>
-              <a:t>Goal #2: Allow programs to share main memory safely</a:t>
+              <a:t>Goal #2: Let multiple processes share main memory safely</a:t>
             </a:r>
           </a:p>
           <a:p>
@@ -40721,7 +40946,7 @@
             </a:pPr>
             <a:r>
               <a:rPr lang="en-US" altLang="en-US" dirty="0"/>
-              <a:t>Each process gets a private virtual address space, isolated from other programs</a:t>
+              <a:t>Each process gets a private virtual address space, isolated from others</a:t>
             </a:r>
           </a:p>
           <a:p>
@@ -40732,7 +40957,7 @@
             </a:pPr>
             <a:r>
               <a:rPr lang="en-US" altLang="en-US" dirty="0"/>
-              <a:t>CPU and OS translate virtual addresses to physical addresses</a:t>
+              <a:t>Solution: CPU and OS translate virtual addresses to physical addresses</a:t>
             </a:r>
           </a:p>
           <a:p>
@@ -41492,7 +41717,7 @@
         </p:nvSpPr>
         <p:spPr>
           <a:xfrm>
-            <a:off x="4650701" y="3840499"/>
+            <a:off x="4650701" y="4290031"/>
             <a:ext cx="1117600" cy="431800"/>
           </a:xfrm>
           <a:prstGeom prst="rect">
@@ -41541,7 +41766,7 @@
         </p:nvSpPr>
         <p:spPr>
           <a:xfrm>
-            <a:off x="4650701" y="4323099"/>
+            <a:off x="4659171" y="3837230"/>
             <a:ext cx="1117600" cy="431800"/>
           </a:xfrm>
           <a:prstGeom prst="rect">
@@ -41668,7 +41893,7 @@
         </p:nvSpPr>
         <p:spPr>
           <a:xfrm>
-            <a:off x="1364026" y="3921549"/>
+            <a:off x="1264385" y="1342895"/>
             <a:ext cx="1921232" cy="369332"/>
           </a:xfrm>
           <a:prstGeom prst="rect">
@@ -41785,7 +42010,7 @@
         <p:spPr>
           <a:xfrm>
             <a:off x="2783801" y="3442711"/>
-            <a:ext cx="1866900" cy="613688"/>
+            <a:ext cx="1866900" cy="1063220"/>
           </a:xfrm>
           <a:prstGeom prst="straightConnector1">
             <a:avLst/>
@@ -41875,8 +42100,8 @@
         </p:nvCxnSpPr>
         <p:spPr>
           <a:xfrm flipV="1">
-            <a:off x="2783801" y="4538999"/>
-            <a:ext cx="1866900" cy="1554947"/>
+            <a:off x="2783801" y="4053130"/>
+            <a:ext cx="1875370" cy="2040816"/>
           </a:xfrm>
           <a:prstGeom prst="straightConnector1">
             <a:avLst/>
